--- a/selenium-talk/selenium-talk.pptx
+++ b/selenium-talk/selenium-talk.pptx
@@ -3118,7 +3118,11 @@
           <a:p>
             <a:r>
               <a:rPr lang="en-US" dirty="0" smtClean="0"/>
-              <a:t>Selenium 2.0</a:t>
+              <a:t>Selenium </a:t>
+            </a:r>
+            <a:r>
+              <a:rPr lang="en-US" dirty="0" smtClean="0"/>
+              <a:t>Webdriver 2.0</a:t>
             </a:r>
             <a:endParaRPr lang="en-US" dirty="0"/>
           </a:p>
@@ -3255,15 +3259,7 @@
           <a:p>
             <a:r>
               <a:rPr lang="en-US" dirty="0" smtClean="0"/>
-              <a:t>Selenium </a:t>
-            </a:r>
-            <a:r>
-              <a:rPr lang="en-US" dirty="0" err="1" smtClean="0"/>
-              <a:t>Webdriver</a:t>
-            </a:r>
-            <a:r>
-              <a:rPr lang="en-US" dirty="0" smtClean="0"/>
-              <a:t> 2.0</a:t>
+              <a:t>Selenium Webdriver 2.0</a:t>
             </a:r>
           </a:p>
           <a:p>
@@ -3278,19 +3274,7 @@
             </a:r>
             <a:r>
               <a:rPr lang="en-US" dirty="0" smtClean="0"/>
-              <a:t> </a:t>
-            </a:r>
-            <a:r>
-              <a:rPr lang="en-US" dirty="0" smtClean="0"/>
-              <a:t>Selenium </a:t>
-            </a:r>
-            <a:r>
-              <a:rPr lang="en-US" dirty="0" smtClean="0"/>
-              <a:t>Server, Selenium </a:t>
-            </a:r>
-            <a:r>
-              <a:rPr lang="en-US" dirty="0" smtClean="0"/>
-              <a:t>IDE</a:t>
+              <a:t> Selenium Server, Selenium IDE</a:t>
             </a:r>
           </a:p>
           <a:p>
@@ -3552,15 +3536,7 @@
           <a:p>
             <a:r>
               <a:rPr lang="en-US" dirty="0" smtClean="0"/>
-              <a:t>Need to test as a </a:t>
-            </a:r>
-            <a:r>
-              <a:rPr lang="en-US" dirty="0" smtClean="0"/>
-              <a:t>user </a:t>
-            </a:r>
-            <a:r>
-              <a:rPr lang="en-US" dirty="0" smtClean="0"/>
-              <a:t>uses</a:t>
+              <a:t>Need to test as a user uses</a:t>
             </a:r>
           </a:p>
           <a:p>
@@ -3963,15 +3939,7 @@
             </a:r>
             <a:r>
               <a:rPr lang="en-US" dirty="0" smtClean="0"/>
-              <a:t>”, Selenium </a:t>
-            </a:r>
-            <a:r>
-              <a:rPr lang="en-US" dirty="0" err="1" smtClean="0"/>
-              <a:t>Webdriver</a:t>
-            </a:r>
-            <a:r>
-              <a:rPr lang="en-US" dirty="0" smtClean="0"/>
-              <a:t> is awesome!</a:t>
+              <a:t>”, Selenium Webdriver is awesome!</a:t>
             </a:r>
             <a:endParaRPr lang="en-US" dirty="0"/>
           </a:p>
@@ -4121,23 +4089,14 @@
           <a:p>
             <a:r>
               <a:rPr lang="en-US" dirty="0" smtClean="0"/>
-              <a:t>Selenium </a:t>
-            </a:r>
-            <a:r>
-              <a:rPr lang="en-US" dirty="0" err="1" smtClean="0"/>
-              <a:t>Webdriver</a:t>
-            </a:r>
-            <a:endParaRPr lang="en-US" dirty="0" smtClean="0"/>
+              <a:t>Selenium Webdriver</a:t>
+            </a:r>
           </a:p>
           <a:p>
             <a:pPr lvl="1"/>
             <a:r>
               <a:rPr lang="en-US" dirty="0" smtClean="0"/>
-              <a:t>Crawl </a:t>
-            </a:r>
-            <a:r>
-              <a:rPr lang="en-US" dirty="0" smtClean="0"/>
-              <a:t>Lego site for Instruction PDFs</a:t>
+              <a:t>Crawl Lego site for Instruction PDFs</a:t>
             </a:r>
           </a:p>
           <a:p>
@@ -4158,19 +4117,7 @@
               <a:rPr lang="en-US" dirty="0" smtClean="0">
                 <a:hlinkClick r:id="rId2"/>
               </a:rPr>
-              <a:t>http</a:t>
-            </a:r>
-            <a:r>
-              <a:rPr lang="en-US" dirty="0" smtClean="0">
-                <a:hlinkClick r:id="rId2"/>
-              </a:rPr>
-              <a:t>://code.chadmaughan.com/cs6890-</a:t>
-            </a:r>
-            <a:r>
-              <a:rPr lang="en-US" dirty="0" smtClean="0">
-                <a:hlinkClick r:id="rId2"/>
-              </a:rPr>
-              <a:t>testing</a:t>
+              <a:t>http://code.chadmaughan.com/cs6890-testing</a:t>
             </a:r>
             <a:endParaRPr lang="en-US" dirty="0" smtClean="0"/>
           </a:p>
